--- a/Français/1.Les techniques d'importation/4.Importing data with parameters.pptx
+++ b/Français/1.Les techniques d'importation/4.Importing data with parameters.pptx
@@ -200,7 +200,7 @@
           <a:p>
             <a:fld id="{056BA3B8-9F76-4D81-B71D-76CB85363062}" type="datetimeFigureOut">
               <a:rPr lang="en-US" smtClean="0"/>
-              <a:t>2/25/2025</a:t>
+              <a:t>3/10/2025</a:t>
             </a:fld>
             <a:endParaRPr lang="en-US"/>
           </a:p>
@@ -767,7 +767,7 @@
           <a:p>
             <a:fld id="{6F01DA4D-20EA-48D2-973C-0311EC3005D6}" type="datetimeFigureOut">
               <a:rPr lang="en-US" smtClean="0"/>
-              <a:t>2/25/2025</a:t>
+              <a:t>3/10/2025</a:t>
             </a:fld>
             <a:endParaRPr lang="en-US"/>
           </a:p>
@@ -937,7 +937,7 @@
           <a:p>
             <a:fld id="{6F01DA4D-20EA-48D2-973C-0311EC3005D6}" type="datetimeFigureOut">
               <a:rPr lang="en-US" smtClean="0"/>
-              <a:t>2/25/2025</a:t>
+              <a:t>3/10/2025</a:t>
             </a:fld>
             <a:endParaRPr lang="en-US"/>
           </a:p>
@@ -1117,7 +1117,7 @@
           <a:p>
             <a:fld id="{6F01DA4D-20EA-48D2-973C-0311EC3005D6}" type="datetimeFigureOut">
               <a:rPr lang="en-US" smtClean="0"/>
-              <a:t>2/25/2025</a:t>
+              <a:t>3/10/2025</a:t>
             </a:fld>
             <a:endParaRPr lang="en-US"/>
           </a:p>
@@ -1287,7 +1287,7 @@
           <a:p>
             <a:fld id="{6F01DA4D-20EA-48D2-973C-0311EC3005D6}" type="datetimeFigureOut">
               <a:rPr lang="en-US" smtClean="0"/>
-              <a:t>2/25/2025</a:t>
+              <a:t>3/10/2025</a:t>
             </a:fld>
             <a:endParaRPr lang="en-US"/>
           </a:p>
@@ -1533,7 +1533,7 @@
           <a:p>
             <a:fld id="{6F01DA4D-20EA-48D2-973C-0311EC3005D6}" type="datetimeFigureOut">
               <a:rPr lang="en-US" smtClean="0"/>
-              <a:t>2/25/2025</a:t>
+              <a:t>3/10/2025</a:t>
             </a:fld>
             <a:endParaRPr lang="en-US"/>
           </a:p>
@@ -1765,7 +1765,7 @@
           <a:p>
             <a:fld id="{6F01DA4D-20EA-48D2-973C-0311EC3005D6}" type="datetimeFigureOut">
               <a:rPr lang="en-US" smtClean="0"/>
-              <a:t>2/25/2025</a:t>
+              <a:t>3/10/2025</a:t>
             </a:fld>
             <a:endParaRPr lang="en-US"/>
           </a:p>
@@ -2132,7 +2132,7 @@
           <a:p>
             <a:fld id="{6F01DA4D-20EA-48D2-973C-0311EC3005D6}" type="datetimeFigureOut">
               <a:rPr lang="en-US" smtClean="0"/>
-              <a:t>2/25/2025</a:t>
+              <a:t>3/10/2025</a:t>
             </a:fld>
             <a:endParaRPr lang="en-US"/>
           </a:p>
@@ -2250,7 +2250,7 @@
           <a:p>
             <a:fld id="{6F01DA4D-20EA-48D2-973C-0311EC3005D6}" type="datetimeFigureOut">
               <a:rPr lang="en-US" smtClean="0"/>
-              <a:t>2/25/2025</a:t>
+              <a:t>3/10/2025</a:t>
             </a:fld>
             <a:endParaRPr lang="en-US"/>
           </a:p>
@@ -2345,7 +2345,7 @@
           <a:p>
             <a:fld id="{6F01DA4D-20EA-48D2-973C-0311EC3005D6}" type="datetimeFigureOut">
               <a:rPr lang="en-US" smtClean="0"/>
-              <a:t>2/25/2025</a:t>
+              <a:t>3/10/2025</a:t>
             </a:fld>
             <a:endParaRPr lang="en-US"/>
           </a:p>
@@ -2622,7 +2622,7 @@
           <a:p>
             <a:fld id="{6F01DA4D-20EA-48D2-973C-0311EC3005D6}" type="datetimeFigureOut">
               <a:rPr lang="en-US" smtClean="0"/>
-              <a:t>2/25/2025</a:t>
+              <a:t>3/10/2025</a:t>
             </a:fld>
             <a:endParaRPr lang="en-US"/>
           </a:p>
@@ -2875,7 +2875,7 @@
           <a:p>
             <a:fld id="{6F01DA4D-20EA-48D2-973C-0311EC3005D6}" type="datetimeFigureOut">
               <a:rPr lang="en-US" smtClean="0"/>
-              <a:t>2/25/2025</a:t>
+              <a:t>3/10/2025</a:t>
             </a:fld>
             <a:endParaRPr lang="en-US"/>
           </a:p>
@@ -3088,7 +3088,7 @@
           <a:p>
             <a:fld id="{6F01DA4D-20EA-48D2-973C-0311EC3005D6}" type="datetimeFigureOut">
               <a:rPr lang="en-US" smtClean="0"/>
-              <a:t>2/25/2025</a:t>
+              <a:t>3/10/2025</a:t>
             </a:fld>
             <a:endParaRPr lang="en-US"/>
           </a:p>
@@ -4105,54 +4105,6 @@
           <a:chExt cx="0" cy="0"/>
         </a:xfrm>
       </p:grpSpPr>
-      <p:sp>
-        <p:nvSpPr>
-          <p:cNvPr id="3" name="Rectangle 2"/>
-          <p:cNvSpPr/>
-          <p:nvPr/>
-        </p:nvSpPr>
-        <p:spPr>
-          <a:xfrm>
-            <a:off x="449178" y="216445"/>
-            <a:ext cx="3358612" cy="388696"/>
-          </a:xfrm>
-          <a:prstGeom prst="rect">
-            <a:avLst/>
-          </a:prstGeom>
-        </p:spPr>
-        <p:txBody>
-          <a:bodyPr wrap="none">
-            <a:spAutoFit/>
-          </a:bodyPr>
-          <a:lstStyle/>
-          <a:p>
-            <a:pPr>
-              <a:lnSpc>
-                <a:spcPct val="107000"/>
-              </a:lnSpc>
-              <a:spcBef>
-                <a:spcPts val="1200"/>
-              </a:spcBef>
-              <a:spcAft>
-                <a:spcPts val="0"/>
-              </a:spcAft>
-            </a:pPr>
-            <a:r>
-              <a:rPr lang="en-US" b="1" kern="0" dirty="0" smtClean="0">
-                <a:latin typeface="Segoe UI" panose="020B0502040204020203" pitchFamily="34" charset="0"/>
-                <a:ea typeface="Times New Roman" panose="02020603050405020304" pitchFamily="18" charset="0"/>
-                <a:cs typeface="Times New Roman" panose="02020603050405020304" pitchFamily="18" charset="0"/>
-              </a:rPr>
-              <a:t>Importing from multiple files</a:t>
-            </a:r>
-            <a:endParaRPr lang="en-US" b="1" kern="0" dirty="0">
-              <a:latin typeface="Segoe UI" panose="020B0502040204020203" pitchFamily="34" charset="0"/>
-              <a:ea typeface="Times New Roman" panose="02020603050405020304" pitchFamily="18" charset="0"/>
-              <a:cs typeface="Times New Roman" panose="02020603050405020304" pitchFamily="18" charset="0"/>
-            </a:endParaRPr>
-          </a:p>
-        </p:txBody>
-      </p:sp>
       <p:pic>
         <p:nvPicPr>
           <p:cNvPr id="6" name="Picture 5"/>
@@ -4774,6 +4726,62 @@
               </a:rPr>
               <a:t>Notez que les données restent intactes sans erreurs.</a:t>
             </a:r>
+          </a:p>
+        </p:txBody>
+      </p:sp>
+      <p:sp>
+        <p:nvSpPr>
+          <p:cNvPr id="25" name="Rectangle 24"/>
+          <p:cNvSpPr/>
+          <p:nvPr/>
+        </p:nvSpPr>
+        <p:spPr>
+          <a:xfrm>
+            <a:off x="449178" y="216445"/>
+            <a:ext cx="1818126" cy="366895"/>
+          </a:xfrm>
+          <a:prstGeom prst="rect">
+            <a:avLst/>
+          </a:prstGeom>
+        </p:spPr>
+        <p:txBody>
+          <a:bodyPr wrap="none">
+            <a:spAutoFit/>
+          </a:bodyPr>
+          <a:lstStyle/>
+          <a:p>
+            <a:pPr>
+              <a:lnSpc>
+                <a:spcPct val="107000"/>
+              </a:lnSpc>
+              <a:spcBef>
+                <a:spcPts val="1200"/>
+              </a:spcBef>
+              <a:spcAft>
+                <a:spcPts val="0"/>
+              </a:spcAft>
+            </a:pPr>
+            <a:r>
+              <a:rPr lang="en-US" b="1" kern="0" dirty="0" smtClean="0">
+                <a:latin typeface="Segoe UI" panose="020B0502040204020203" pitchFamily="34" charset="0"/>
+                <a:ea typeface="Times New Roman" panose="02020603050405020304" pitchFamily="18" charset="0"/>
+                <a:cs typeface="Times New Roman" panose="02020603050405020304" pitchFamily="18" charset="0"/>
+              </a:rPr>
+              <a:t>Les </a:t>
+            </a:r>
+            <a:r>
+              <a:rPr lang="en-US" b="1" kern="0" dirty="0" err="1" smtClean="0">
+                <a:latin typeface="Segoe UI" panose="020B0502040204020203" pitchFamily="34" charset="0"/>
+                <a:ea typeface="Times New Roman" panose="02020603050405020304" pitchFamily="18" charset="0"/>
+                <a:cs typeface="Times New Roman" panose="02020603050405020304" pitchFamily="18" charset="0"/>
+              </a:rPr>
+              <a:t>paramètres</a:t>
+            </a:r>
+            <a:endParaRPr lang="en-US" b="1" kern="0" dirty="0">
+              <a:latin typeface="Segoe UI" panose="020B0502040204020203" pitchFamily="34" charset="0"/>
+              <a:ea typeface="Times New Roman" panose="02020603050405020304" pitchFamily="18" charset="0"/>
+              <a:cs typeface="Times New Roman" panose="02020603050405020304" pitchFamily="18" charset="0"/>
+            </a:endParaRPr>
           </a:p>
         </p:txBody>
       </p:sp>
